--- a/Day 17 - JS – Continued.pptx
+++ b/Day 17 - JS – Continued.pptx
@@ -118,6 +118,10 @@
 </p:presentation>
 </file>
 
+<file path=ppt/revisionInfo.xml><?xml version="1.0" encoding="utf-8"?>
+<p1510:revInfo xmlns:a="http://schemas.openxmlformats.org/drawingml/2006/main" xmlns:r="http://schemas.openxmlformats.org/officeDocument/2006/relationships" xmlns:p1510="http://schemas.microsoft.com/office/powerpoint/2015/10/main"/>
+</file>
+
 <file path=ppt/slideLayouts/slideLayout1.xml><?xml version="1.0" encoding="utf-8"?>
 <p:sldLayout xmlns:a="http://schemas.openxmlformats.org/drawingml/2006/main" xmlns:r="http://schemas.openxmlformats.org/officeDocument/2006/relationships" xmlns:p="http://schemas.openxmlformats.org/presentationml/2006/main" type="title" preserve="1">
   <p:cSld name="Title Slide">
@@ -304,7 +308,7 @@
           <a:p>
             <a:fld id="{4AAD347D-5ACD-4C99-B74B-A9C85AD731AF}" type="datetimeFigureOut">
               <a:rPr lang="en-US" dirty="0"/>
-              <a:t>7/18/2018</a:t>
+              <a:t>7/19/2018</a:t>
             </a:fld>
             <a:endParaRPr lang="en-US" dirty="0"/>
           </a:p>
@@ -579,7 +583,7 @@
           <a:p>
             <a:fld id="{4509A250-FF31-4206-8172-F9D3106AACB1}" type="datetimeFigureOut">
               <a:rPr lang="en-US" dirty="0"/>
-              <a:t>7/18/2018</a:t>
+              <a:t>7/19/2018</a:t>
             </a:fld>
             <a:endParaRPr lang="en-US" dirty="0"/>
           </a:p>
@@ -773,7 +777,7 @@
           <a:p>
             <a:fld id="{4509A250-FF31-4206-8172-F9D3106AACB1}" type="datetimeFigureOut">
               <a:rPr lang="en-US" dirty="0"/>
-              <a:t>7/18/2018</a:t>
+              <a:t>7/19/2018</a:t>
             </a:fld>
             <a:endParaRPr lang="en-US" dirty="0"/>
           </a:p>
@@ -1044,7 +1048,7 @@
           <a:p>
             <a:fld id="{4509A250-FF31-4206-8172-F9D3106AACB1}" type="datetimeFigureOut">
               <a:rPr lang="en-US" dirty="0"/>
-              <a:t>7/18/2018</a:t>
+              <a:t>7/19/2018</a:t>
             </a:fld>
             <a:endParaRPr lang="en-US" dirty="0"/>
           </a:p>
@@ -1371,7 +1375,7 @@
           <a:p>
             <a:fld id="{4509A250-FF31-4206-8172-F9D3106AACB1}" type="datetimeFigureOut">
               <a:rPr lang="en-US" dirty="0"/>
-              <a:t>7/18/2018</a:t>
+              <a:t>7/19/2018</a:t>
             </a:fld>
             <a:endParaRPr lang="en-US" dirty="0"/>
           </a:p>
@@ -1990,7 +1994,7 @@
           <a:p>
             <a:fld id="{4509A250-FF31-4206-8172-F9D3106AACB1}" type="datetimeFigureOut">
               <a:rPr lang="en-US" dirty="0"/>
-              <a:t>7/18/2018</a:t>
+              <a:t>7/19/2018</a:t>
             </a:fld>
             <a:endParaRPr lang="en-US" dirty="0"/>
           </a:p>
@@ -2837,7 +2841,7 @@
           <a:p>
             <a:fld id="{4509A250-FF31-4206-8172-F9D3106AACB1}" type="datetimeFigureOut">
               <a:rPr lang="en-US" dirty="0"/>
-              <a:t>7/18/2018</a:t>
+              <a:t>7/19/2018</a:t>
             </a:fld>
             <a:endParaRPr lang="en-US" dirty="0"/>
           </a:p>
@@ -3007,7 +3011,7 @@
           <a:p>
             <a:fld id="{4509A250-FF31-4206-8172-F9D3106AACB1}" type="datetimeFigureOut">
               <a:rPr lang="en-US" dirty="0"/>
-              <a:t>7/18/2018</a:t>
+              <a:t>7/19/2018</a:t>
             </a:fld>
             <a:endParaRPr lang="en-US" dirty="0"/>
           </a:p>
@@ -3187,7 +3191,7 @@
           <a:p>
             <a:fld id="{4509A250-FF31-4206-8172-F9D3106AACB1}" type="datetimeFigureOut">
               <a:rPr lang="en-US" dirty="0"/>
-              <a:t>7/18/2018</a:t>
+              <a:t>7/19/2018</a:t>
             </a:fld>
             <a:endParaRPr lang="en-US" dirty="0"/>
           </a:p>
@@ -3357,7 +3361,7 @@
           <a:p>
             <a:fld id="{9796027F-7875-4030-9381-8BD8C4F21935}" type="datetimeFigureOut">
               <a:rPr lang="en-US" dirty="0"/>
-              <a:t>7/18/2018</a:t>
+              <a:t>7/19/2018</a:t>
             </a:fld>
             <a:endParaRPr lang="en-US" dirty="0"/>
           </a:p>
@@ -3604,7 +3608,7 @@
           <a:p>
             <a:fld id="{9796027F-7875-4030-9381-8BD8C4F21935}" type="datetimeFigureOut">
               <a:rPr lang="en-US" dirty="0"/>
-              <a:t>7/18/2018</a:t>
+              <a:t>7/19/2018</a:t>
             </a:fld>
             <a:endParaRPr lang="en-US" dirty="0"/>
           </a:p>
@@ -3896,7 +3900,7 @@
           <a:p>
             <a:fld id="{9796027F-7875-4030-9381-8BD8C4F21935}" type="datetimeFigureOut">
               <a:rPr lang="en-US" dirty="0"/>
-              <a:t>7/18/2018</a:t>
+              <a:t>7/19/2018</a:t>
             </a:fld>
             <a:endParaRPr lang="en-US" dirty="0"/>
           </a:p>
@@ -4340,7 +4344,7 @@
           <a:p>
             <a:fld id="{9796027F-7875-4030-9381-8BD8C4F21935}" type="datetimeFigureOut">
               <a:rPr lang="en-US" dirty="0"/>
-              <a:t>7/18/2018</a:t>
+              <a:t>7/19/2018</a:t>
             </a:fld>
             <a:endParaRPr lang="en-US" dirty="0"/>
           </a:p>
@@ -4458,7 +4462,7 @@
           <a:p>
             <a:fld id="{4509A250-FF31-4206-8172-F9D3106AACB1}" type="datetimeFigureOut">
               <a:rPr lang="en-US" dirty="0"/>
-              <a:t>7/18/2018</a:t>
+              <a:t>7/19/2018</a:t>
             </a:fld>
             <a:endParaRPr lang="en-US" dirty="0"/>
           </a:p>
@@ -4553,7 +4557,7 @@
           <a:p>
             <a:fld id="{4509A250-FF31-4206-8172-F9D3106AACB1}" type="datetimeFigureOut">
               <a:rPr lang="en-US" dirty="0"/>
-              <a:t>7/18/2018</a:t>
+              <a:t>7/19/2018</a:t>
             </a:fld>
             <a:endParaRPr lang="en-US" dirty="0"/>
           </a:p>
@@ -4832,7 +4836,7 @@
           <a:p>
             <a:fld id="{4509A250-FF31-4206-8172-F9D3106AACB1}" type="datetimeFigureOut">
               <a:rPr lang="en-US" dirty="0"/>
-              <a:t>7/18/2018</a:t>
+              <a:t>7/19/2018</a:t>
             </a:fld>
             <a:endParaRPr lang="en-US" dirty="0"/>
           </a:p>
@@ -5107,7 +5111,7 @@
           <a:p>
             <a:fld id="{4509A250-FF31-4206-8172-F9D3106AACB1}" type="datetimeFigureOut">
               <a:rPr lang="en-US" dirty="0"/>
-              <a:t>7/18/2018</a:t>
+              <a:t>7/19/2018</a:t>
             </a:fld>
             <a:endParaRPr lang="en-US" dirty="0"/>
           </a:p>
@@ -5530,7 +5534,7 @@
           <a:p>
             <a:fld id="{4AAD347D-5ACD-4C99-B74B-A9C85AD731AF}" type="datetimeFigureOut">
               <a:rPr lang="en-US" dirty="0"/>
-              <a:t>7/18/2018</a:t>
+              <a:t>7/19/2018</a:t>
             </a:fld>
             <a:endParaRPr lang="en-US" dirty="0"/>
           </a:p>
@@ -6307,7 +6311,7 @@
           <a:p>
             <a:r>
               <a:rPr lang="en-US" dirty="0"/>
-              <a:t>jQuery Introduction</a:t>
+              <a:t>jQuery Effects - Sliding</a:t>
             </a:r>
           </a:p>
         </p:txBody>
@@ -6329,7 +6333,7 @@
         <p:spPr>
           <a:xfrm>
             <a:off x="1102331" y="2059774"/>
-            <a:ext cx="8946541" cy="1770104"/>
+            <a:ext cx="8946541" cy="1293026"/>
           </a:xfrm>
           <a:prstGeom prst="rect">
             <a:avLst/>
@@ -6569,7 +6573,7 @@
           <a:p>
             <a:r>
               <a:rPr lang="en-US" dirty="0"/>
-              <a:t>The purpose of jQuery is to make it much easier to use JavaScript on your website.</a:t>
+              <a:t>The jQuery slide methods slide elements up and down.</a:t>
             </a:r>
           </a:p>
           <a:p>
@@ -6577,16 +6581,7 @@
               <a:rPr lang="en-US" dirty="0">
                 <a:hlinkClick r:id="rId2"/>
               </a:rPr>
-              <a:t>https://www.w3schools.com/jquery/jquery_intro.asp</a:t>
-            </a:r>
-            <a:endParaRPr lang="en-US" dirty="0"/>
-          </a:p>
-          <a:p>
-            <a:r>
-              <a:rPr lang="en-US" dirty="0">
-                <a:hlinkClick r:id="rId3"/>
-              </a:rPr>
-              <a:t>https://www.w3schools.com/jquery/jquery_get_started.asp</a:t>
+              <a:t>https://www.w3schools.com/jquery/jquery_slide.asp</a:t>
             </a:r>
             <a:endParaRPr lang="en-US" dirty="0"/>
           </a:p>
@@ -6694,7 +6689,7 @@
           <a:p>
             <a:r>
               <a:rPr lang="en-US" dirty="0"/>
-              <a:t>jQuery Syntax</a:t>
+              <a:t>jQuery Effects - Animation</a:t>
             </a:r>
           </a:p>
         </p:txBody>
@@ -6956,15 +6951,15 @@
           <a:p>
             <a:r>
               <a:rPr lang="en-US" dirty="0"/>
-              <a:t>The jQuery syntax is tailor-made for selecting HTML elements and performing some action on the element(s).</a:t>
+              <a:t>The jQuery animate() method lets you create custom animations.</a:t>
             </a:r>
           </a:p>
           <a:p>
             <a:r>
               <a:rPr lang="en-US" dirty="0">
-                <a:hlinkClick r:id="rId4"/>
+                <a:hlinkClick r:id="rId3"/>
               </a:rPr>
-              <a:t>https://www.w3schools.com/jquery/jquery_syntax.asp</a:t>
+              <a:t>https://www.w3schools.com/jquery/jquery_animate.asp</a:t>
             </a:r>
             <a:endParaRPr lang="en-US" dirty="0"/>
           </a:p>
@@ -7102,8 +7097,13 @@
           <a:p>
             <a:r>
               <a:rPr lang="en-US" dirty="0"/>
-              <a:t>jQuery Selectors</a:t>
-            </a:r>
+              <a:t>jQuery </a:t>
+            </a:r>
+            <a:r>
+              <a:rPr lang="en-US"/>
+              <a:t>Stop Animations</a:t>
+            </a:r>
+            <a:endParaRPr lang="en-US" dirty="0"/>
           </a:p>
         </p:txBody>
       </p:sp>

--- a/Day 17 - JS – Continued.pptx
+++ b/Day 17 - JS – Continued.pptx
@@ -6185,6 +6185,13 @@
   <p:clrMapOvr>
     <a:masterClrMapping/>
   </p:clrMapOvr>
+  <p:timing>
+    <p:tnLst>
+      <p:par>
+        <p:cTn id="1" dur="indefinite" restart="never" nodeType="tmRoot"/>
+      </p:par>
+    </p:tnLst>
+  </p:timing>
 </p:sld>
 </file>
 
@@ -6980,6 +6987,13 @@
   <p:clrMapOvr>
     <a:masterClrMapping/>
   </p:clrMapOvr>
+  <p:timing>
+    <p:tnLst>
+      <p:par>
+        <p:cTn id="1" dur="indefinite" restart="never" nodeType="tmRoot"/>
+      </p:par>
+    </p:tnLst>
+  </p:timing>
 </p:sld>
 </file>
 
@@ -7775,6 +7789,13 @@
   <p:clrMapOvr>
     <a:masterClrMapping/>
   </p:clrMapOvr>
+  <p:timing>
+    <p:tnLst>
+      <p:par>
+        <p:cTn id="1" dur="indefinite" restart="never" nodeType="tmRoot"/>
+      </p:par>
+    </p:tnLst>
+  </p:timing>
 </p:sld>
 </file>
 
@@ -8583,6 +8604,13 @@
   <p:clrMapOvr>
     <a:masterClrMapping/>
   </p:clrMapOvr>
+  <p:timing>
+    <p:tnLst>
+      <p:par>
+        <p:cTn id="1" dur="indefinite" restart="never" nodeType="tmRoot"/>
+      </p:par>
+    </p:tnLst>
+  </p:timing>
 </p:sld>
 </file>
 
@@ -8744,6 +8772,13 @@
   <p:clrMapOvr>
     <a:masterClrMapping/>
   </p:clrMapOvr>
+  <p:timing>
+    <p:tnLst>
+      <p:par>
+        <p:cTn id="1" dur="indefinite" restart="never" nodeType="tmRoot"/>
+      </p:par>
+    </p:tnLst>
+  </p:timing>
 </p:sld>
 </file>
 
@@ -8930,6 +8965,13 @@
   <p:clrMapOvr>
     <a:masterClrMapping/>
   </p:clrMapOvr>
+  <p:timing>
+    <p:tnLst>
+      <p:par>
+        <p:cTn id="1" dur="indefinite" restart="never" nodeType="tmRoot"/>
+      </p:par>
+    </p:tnLst>
+  </p:timing>
 </p:sld>
 </file>
 
@@ -9073,6 +9115,13 @@
   <p:clrMapOvr>
     <a:masterClrMapping/>
   </p:clrMapOvr>
+  <p:timing>
+    <p:tnLst>
+      <p:par>
+        <p:cTn id="1" dur="indefinite" restart="never" nodeType="tmRoot"/>
+      </p:par>
+    </p:tnLst>
+  </p:timing>
 </p:sld>
 </file>
 
